--- a/report/CS622_project_presentation.pptx
+++ b/report/CS622_project_presentation.pptx
@@ -2516,7 +2516,7 @@
           <a:p>
             <a:fld id="{0DA78823-EC5B-4C2B-8E90-DE586D421074}" type="datetimeFigureOut">
               <a:rPr lang="en-US" smtClean="0"/>
-              <a:t>5/3/2022</a:t>
+              <a:t>5/5/2022</a:t>
             </a:fld>
             <a:endParaRPr lang="en-US"/>
           </a:p>
@@ -2969,7 +2969,7 @@
           <a:p>
             <a:fld id="{9C06A0E7-2AA7-422A-AD34-ED1151EBA3CE}" type="datetime1">
               <a:rPr lang="en-US" smtClean="0"/>
-              <a:t>5/3/2022</a:t>
+              <a:t>5/5/2022</a:t>
             </a:fld>
             <a:endParaRPr lang="en-US"/>
           </a:p>
@@ -3244,7 +3244,7 @@
           <a:p>
             <a:fld id="{684B3286-CEE6-4471-A98E-B1DA7F5D86A5}" type="datetime1">
               <a:rPr lang="en-US" smtClean="0"/>
-              <a:t>5/3/2022</a:t>
+              <a:t>5/5/2022</a:t>
             </a:fld>
             <a:endParaRPr lang="en-US"/>
           </a:p>
@@ -3438,7 +3438,7 @@
           <a:p>
             <a:fld id="{2D04349C-9E1B-4057-9510-F628B27CFB0D}" type="datetime1">
               <a:rPr lang="en-US" smtClean="0"/>
-              <a:t>5/3/2022</a:t>
+              <a:t>5/5/2022</a:t>
             </a:fld>
             <a:endParaRPr lang="en-US"/>
           </a:p>
@@ -3711,7 +3711,7 @@
           <a:p>
             <a:fld id="{FEA92E20-048E-41E4-9F54-50850FF9D780}" type="datetime1">
               <a:rPr lang="en-US" smtClean="0"/>
-              <a:t>5/3/2022</a:t>
+              <a:t>5/5/2022</a:t>
             </a:fld>
             <a:endParaRPr lang="en-US"/>
           </a:p>
@@ -4052,7 +4052,7 @@
           <a:p>
             <a:fld id="{77211E8B-450E-41F3-9F09-97E003FD8C0F}" type="datetime1">
               <a:rPr lang="en-US" smtClean="0"/>
-              <a:t>5/3/2022</a:t>
+              <a:t>5/5/2022</a:t>
             </a:fld>
             <a:endParaRPr lang="en-US"/>
           </a:p>
@@ -4675,7 +4675,7 @@
           <a:p>
             <a:fld id="{1F0A095F-CFCA-40F3-B03E-364EF33EA76E}" type="datetime1">
               <a:rPr lang="en-US" smtClean="0"/>
-              <a:t>5/3/2022</a:t>
+              <a:t>5/5/2022</a:t>
             </a:fld>
             <a:endParaRPr lang="en-US"/>
           </a:p>
@@ -5535,7 +5535,7 @@
           <a:p>
             <a:fld id="{4FB25049-12A3-4BF2-B13C-3AB8388E53D6}" type="datetime1">
               <a:rPr lang="en-US" smtClean="0"/>
-              <a:t>5/3/2022</a:t>
+              <a:t>5/5/2022</a:t>
             </a:fld>
             <a:endParaRPr lang="en-US"/>
           </a:p>
@@ -5705,7 +5705,7 @@
           <a:p>
             <a:fld id="{5B685777-5572-4A41-8CDA-FB55C38F62F3}" type="datetime1">
               <a:rPr lang="en-US" smtClean="0"/>
-              <a:t>5/3/2022</a:t>
+              <a:t>5/5/2022</a:t>
             </a:fld>
             <a:endParaRPr lang="en-US"/>
           </a:p>
@@ -5885,7 +5885,7 @@
           <a:p>
             <a:fld id="{DC50E5C1-0D7E-4126-9405-ADA8EDEF546E}" type="datetime1">
               <a:rPr lang="en-US" smtClean="0"/>
-              <a:t>5/3/2022</a:t>
+              <a:t>5/5/2022</a:t>
             </a:fld>
             <a:endParaRPr lang="en-US"/>
           </a:p>
@@ -6055,7 +6055,7 @@
           <a:p>
             <a:fld id="{7790BBD0-7FB3-480F-9830-499C853E0DAA}" type="datetime1">
               <a:rPr lang="en-US" smtClean="0"/>
-              <a:t>5/3/2022</a:t>
+              <a:t>5/5/2022</a:t>
             </a:fld>
             <a:endParaRPr lang="en-US"/>
           </a:p>
@@ -6302,7 +6302,7 @@
           <a:p>
             <a:fld id="{3F5F4879-7942-4397-A4AA-AC4D0177C9C9}" type="datetime1">
               <a:rPr lang="en-US" smtClean="0"/>
-              <a:t>5/3/2022</a:t>
+              <a:t>5/5/2022</a:t>
             </a:fld>
             <a:endParaRPr lang="en-US"/>
           </a:p>
@@ -6594,7 +6594,7 @@
           <a:p>
             <a:fld id="{520195FA-7F6E-45F5-949B-B61B0739F0A7}" type="datetime1">
               <a:rPr lang="en-US" smtClean="0"/>
-              <a:t>5/3/2022</a:t>
+              <a:t>5/5/2022</a:t>
             </a:fld>
             <a:endParaRPr lang="en-US"/>
           </a:p>
@@ -7038,7 +7038,7 @@
           <a:p>
             <a:fld id="{2D3B59EF-763F-471B-991B-4F4DE9A0F67B}" type="datetime1">
               <a:rPr lang="en-US" smtClean="0"/>
-              <a:t>5/3/2022</a:t>
+              <a:t>5/5/2022</a:t>
             </a:fld>
             <a:endParaRPr lang="en-US"/>
           </a:p>
@@ -7156,7 +7156,7 @@
           <a:p>
             <a:fld id="{622F9083-1525-4CBE-BB3B-4ACAE1A32380}" type="datetime1">
               <a:rPr lang="en-US" smtClean="0"/>
-              <a:t>5/3/2022</a:t>
+              <a:t>5/5/2022</a:t>
             </a:fld>
             <a:endParaRPr lang="en-US"/>
           </a:p>
@@ -7251,7 +7251,7 @@
           <a:p>
             <a:fld id="{D1A77D39-DA64-4629-9D42-94A8EF1E82FD}" type="datetime1">
               <a:rPr lang="en-US" smtClean="0"/>
-              <a:t>5/3/2022</a:t>
+              <a:t>5/5/2022</a:t>
             </a:fld>
             <a:endParaRPr lang="en-US"/>
           </a:p>
@@ -7530,7 +7530,7 @@
           <a:p>
             <a:fld id="{80AF78BF-AAC0-466D-A812-BC6944B98EF9}" type="datetime1">
               <a:rPr lang="en-US" smtClean="0"/>
-              <a:t>5/3/2022</a:t>
+              <a:t>5/5/2022</a:t>
             </a:fld>
             <a:endParaRPr lang="en-US"/>
           </a:p>
@@ -7805,7 +7805,7 @@
           <a:p>
             <a:fld id="{0E8A1224-4AAB-42DB-A7FD-E47246A38EDB}" type="datetime1">
               <a:rPr lang="en-US" smtClean="0"/>
-              <a:t>5/3/2022</a:t>
+              <a:t>5/5/2022</a:t>
             </a:fld>
             <a:endParaRPr lang="en-US"/>
           </a:p>
@@ -8234,7 +8234,7 @@
           <a:p>
             <a:fld id="{BEBE48F9-1B5B-4065-8CE6-F79CF72AF133}" type="datetime1">
               <a:rPr lang="en-US" smtClean="0"/>
-              <a:t>5/3/2022</a:t>
+              <a:t>5/5/2022</a:t>
             </a:fld>
             <a:endParaRPr lang="en-US"/>
           </a:p>
@@ -8947,7 +8947,7 @@
         <p:spPr>
           <a:xfrm>
             <a:off x="1154955" y="5878642"/>
-            <a:ext cx="5246558" cy="305084"/>
+            <a:ext cx="6699891" cy="638188"/>
           </a:xfrm>
           <a:prstGeom prst="rect">
             <a:avLst/>
@@ -9015,6 +9015,79 @@
                 </a:hlinkClick>
               </a:rPr>
               <a:t>GitHub</a:t>
+            </a:r>
+            <a:endParaRPr lang="en-US" sz="1400" spc="300" dirty="0">
+              <a:solidFill>
+                <a:schemeClr val="accent1">
+                  <a:lumMod val="60000"/>
+                  <a:lumOff val="40000"/>
+                </a:schemeClr>
+              </a:solidFill>
+              <a:effectLst>
+                <a:outerShdw blurRad="38100" dist="38100" dir="2700000" algn="tl">
+                  <a:srgbClr val="000000">
+                    <a:alpha val="43137"/>
+                  </a:srgbClr>
+                </a:outerShdw>
+              </a:effectLst>
+            </a:endParaRPr>
+          </a:p>
+          <a:p>
+            <a:pPr marL="285750" marR="0" lvl="0" indent="-285750">
+              <a:lnSpc>
+                <a:spcPct val="107000"/>
+              </a:lnSpc>
+              <a:spcBef>
+                <a:spcPts val="0"/>
+              </a:spcBef>
+              <a:spcAft>
+                <a:spcPts val="800"/>
+              </a:spcAft>
+              <a:buFont typeface="Wingdings" panose="05000000000000000000" pitchFamily="2" charset="2"/>
+              <a:buChar char="v"/>
+            </a:pPr>
+            <a:r>
+              <a:rPr lang="en-US" sz="1400" spc="300" dirty="0">
+                <a:solidFill>
+                  <a:schemeClr val="accent1">
+                    <a:lumMod val="60000"/>
+                    <a:lumOff val="40000"/>
+                  </a:schemeClr>
+                </a:solidFill>
+                <a:effectLst>
+                  <a:outerShdw blurRad="38100" dist="38100" dir="2700000" algn="tl">
+                    <a:srgbClr val="000000">
+                      <a:alpha val="43137"/>
+                    </a:srgbClr>
+                  </a:outerShdw>
+                </a:effectLst>
+              </a:rPr>
+              <a:t>Recorded presentation available on </a:t>
+            </a:r>
+            <a:r>
+              <a:rPr lang="en-US" sz="1400" spc="300" dirty="0" err="1">
+                <a:solidFill>
+                  <a:schemeClr val="accent1">
+                    <a:lumMod val="60000"/>
+                    <a:lumOff val="40000"/>
+                  </a:schemeClr>
+                </a:solidFill>
+                <a:effectLst>
+                  <a:outerShdw blurRad="38100" dist="38100" dir="2700000" algn="tl">
+                    <a:srgbClr val="000000">
+                      <a:alpha val="43137"/>
+                    </a:srgbClr>
+                  </a:outerShdw>
+                </a:effectLst>
+                <a:hlinkClick r:id="rId3">
+                  <a:extLst>
+                    <a:ext uri="{A12FA001-AC4F-418D-AE19-62706E023703}">
+                      <ahyp:hlinkClr xmlns:ahyp="http://schemas.microsoft.com/office/drawing/2018/hyperlinkcolor" val="tx"/>
+                    </a:ext>
+                  </a:extLst>
+                </a:hlinkClick>
+              </a:rPr>
+              <a:t>GoogleDrive</a:t>
             </a:r>
             <a:endParaRPr lang="en-US" sz="1400" spc="300" dirty="0">
               <a:solidFill>
